--- a/web/b24/2 Academic Writing.pptx
+++ b/web/b24/2 Academic Writing.pptx
@@ -5690,8 +5690,8 @@
         </p:nvSpPr>
         <p:spPr bwMode="auto">
           <a:xfrm>
-            <a:off x="755576" y="1196752"/>
-            <a:ext cx="7200800" cy="2088232"/>
+            <a:off x="716819" y="1052736"/>
+            <a:ext cx="7200800" cy="3312368"/>
           </a:xfrm>
           <a:prstGeom prst="rect">
             <a:avLst/>
@@ -6037,8 +6037,74 @@
                 <a:latin typeface="+mn-lt"/>
                 <a:ea typeface="+mn-ea"/>
               </a:rPr>
-              <a:t>(suitable for your research / work area)</a:t>
-            </a:r>
+              <a:t>(suitable for your research / work area</a:t>
+            </a:r>
+            <a:r>
+              <a:rPr lang="en-GB" altLang="da-DK" sz="1600" dirty="0" smtClean="0">
+                <a:latin typeface="+mn-lt"/>
+                <a:ea typeface="+mn-ea"/>
+              </a:rPr>
+              <a:t>)</a:t>
+            </a:r>
+          </a:p>
+          <a:p>
+            <a:pPr marL="271463" lvl="1" indent="-271463">
+              <a:spcBef>
+                <a:spcPts val="1200"/>
+              </a:spcBef>
+              <a:buChar char="•"/>
+            </a:pPr>
+            <a:r>
+              <a:rPr lang="en-GB" altLang="da-DK" sz="1800" b="1" dirty="0">
+                <a:solidFill>
+                  <a:srgbClr val="A50021"/>
+                </a:solidFill>
+                <a:cs typeface="ＭＳ Ｐゴシック" charset="0"/>
+              </a:rPr>
+              <a:t>Template</a:t>
+            </a:r>
+          </a:p>
+          <a:p>
+            <a:pPr marL="728663" lvl="1" indent="-271463">
+              <a:spcBef>
+                <a:spcPts val="300"/>
+              </a:spcBef>
+            </a:pPr>
+            <a:r>
+              <a:rPr lang="en-GB" altLang="da-DK" sz="1600" dirty="0"/>
+              <a:t>A LaTeX template for the bachelor report can be found on</a:t>
+            </a:r>
+            <a:br>
+              <a:rPr lang="en-GB" altLang="da-DK" sz="1600" dirty="0"/>
+            </a:br>
+            <a:r>
+              <a:rPr lang="en-GB" altLang="da-DK" sz="1600" dirty="0"/>
+              <a:t>https://cs.au.dk/~amoeller/bsc-thesis-template/ </a:t>
+            </a:r>
+          </a:p>
+          <a:p>
+            <a:pPr marL="728663" lvl="1" indent="-271463">
+              <a:spcBef>
+                <a:spcPts val="300"/>
+              </a:spcBef>
+            </a:pPr>
+            <a:r>
+              <a:rPr lang="en-GB" altLang="da-DK" sz="1600" dirty="0"/>
+              <a:t>It is up to you whether you want to use the template</a:t>
+            </a:r>
+          </a:p>
+          <a:p>
+            <a:pPr marL="728663" lvl="1" indent="-271463">
+              <a:spcBef>
+                <a:spcPts val="300"/>
+              </a:spcBef>
+              <a:buFont typeface="Arial" panose="020B0604020202020204" pitchFamily="34" charset="0"/>
+              <a:buChar char="–"/>
+            </a:pPr>
+            <a:endParaRPr lang="en-GB" altLang="da-DK" sz="1600" dirty="0">
+              <a:latin typeface="+mn-lt"/>
+              <a:ea typeface="+mn-ea"/>
+            </a:endParaRPr>
           </a:p>
           <a:p>
             <a:pPr marL="728663" lvl="1" indent="-271463">
@@ -6331,7 +6397,7 @@
         </p:nvSpPr>
         <p:spPr bwMode="auto">
           <a:xfrm>
-            <a:off x="592181" y="3537012"/>
+            <a:off x="716819" y="4437112"/>
             <a:ext cx="8280151" cy="1440160"/>
           </a:xfrm>
           <a:prstGeom prst="rect">
@@ -6610,8 +6676,8 @@
         </p:nvSpPr>
         <p:spPr bwMode="auto">
           <a:xfrm>
-            <a:off x="716819" y="5229200"/>
-            <a:ext cx="8280151" cy="1440160"/>
+            <a:off x="715315" y="5949280"/>
+            <a:ext cx="8280151" cy="936104"/>
           </a:xfrm>
           <a:prstGeom prst="rect">
             <a:avLst/>
@@ -6841,22 +6907,18 @@
               <a:buChar char="–"/>
             </a:pPr>
             <a:r>
-              <a:rPr lang="en-GB" altLang="da-DK" sz="1600" dirty="0" smtClean="0"/>
-              <a:t>Some of the material in this talk is inspired by a similar presentation by Henrik </a:t>
-            </a:r>
-            <a:r>
-              <a:rPr lang="en-GB" altLang="da-DK" sz="1600" dirty="0" err="1" smtClean="0"/>
-              <a:t>Korsgaard</a:t>
-            </a:r>
-            <a:r>
-              <a:rPr lang="en-GB" altLang="da-DK" sz="1600" dirty="0" smtClean="0"/>
-              <a:t> and by a note on bachelor projects in physics written by Peter Balling and Hans </a:t>
-            </a:r>
-            <a:r>
-              <a:rPr lang="en-GB" altLang="da-DK" sz="1600" dirty="0" err="1" smtClean="0"/>
-              <a:t>Kjeldsen</a:t>
-            </a:r>
-            <a:endParaRPr lang="en-GB" altLang="da-DK" sz="1600" dirty="0"/>
+              <a:rPr lang="en-GB" altLang="da-DK" sz="1600" spc="-30" dirty="0" smtClean="0"/>
+              <a:t>Some of the material </a:t>
+            </a:r>
+            <a:r>
+              <a:rPr lang="en-GB" altLang="da-DK" sz="1600" spc="-30" dirty="0" smtClean="0"/>
+              <a:t>s </a:t>
+            </a:r>
+            <a:r>
+              <a:rPr lang="en-GB" altLang="da-DK" sz="1600" spc="-30" dirty="0" smtClean="0"/>
+              <a:t>inspired by a similar presentation by Henrik Korsgaard and by a note on bachelor projects in physics written by Peter Balling and Hans Kjeldsen</a:t>
+            </a:r>
+            <a:endParaRPr lang="en-GB" altLang="da-DK" sz="1600" spc="-30" dirty="0"/>
           </a:p>
         </p:txBody>
       </p:sp>
@@ -16185,17 +16247,7 @@
                 <a:latin typeface="Arial" pitchFamily="34" charset="0"/>
                 <a:ea typeface="ＭＳ Ｐゴシック" pitchFamily="34" charset="-128"/>
               </a:rPr>
-              <a:t>June 8 at </a:t>
-            </a:r>
-            <a:r>
-              <a:rPr lang="en-GB" sz="1500" b="1" kern="1200" dirty="0" smtClean="0">
-                <a:solidFill>
-                  <a:srgbClr val="008000"/>
-                </a:solidFill>
-                <a:latin typeface="Arial" pitchFamily="34" charset="0"/>
-                <a:ea typeface="ＭＳ Ｐゴシック" pitchFamily="34" charset="-128"/>
-              </a:rPr>
-              <a:t>13.00</a:t>
+              <a:t>June 8 at 13.00</a:t>
             </a:r>
             <a:endParaRPr lang="en-GB" sz="1500" kern="1200" dirty="0" smtClean="0">
               <a:solidFill>
@@ -16741,15 +16793,7 @@
             </a:pPr>
             <a:r>
               <a:rPr lang="en-GB" altLang="da-DK" sz="1600" dirty="0" smtClean="0"/>
-              <a:t>Make as many automatic checks as possible (it is easy to search for two adjacent spaces and replace them by one; analogously you can </a:t>
-            </a:r>
-            <a:r>
-              <a:rPr lang="en-GB" altLang="da-DK" sz="1600" dirty="0" smtClean="0"/>
-              <a:t>search </a:t>
-            </a:r>
-            <a:r>
-              <a:rPr lang="en-GB" altLang="da-DK" sz="1600" dirty="0" smtClean="0"/>
-              <a:t>for two adjacent full stops, two commas, or a space followed by a full stop)</a:t>
+              <a:t>Make as many automatic checks as possible (it is easy to search for two adjacent spaces and replace them by one; analogously you can search for two adjacent full stops, two commas, or a space followed by a full stop)</a:t>
             </a:r>
           </a:p>
           <a:p>
@@ -21056,23 +21100,132 @@
           <a:chExt cx="0" cy="0"/>
         </a:xfrm>
       </p:grpSpPr>
+      <p:sp>
+        <p:nvSpPr>
+          <p:cNvPr id="2" name="Title 1"/>
+          <p:cNvSpPr>
+            <a:spLocks noGrp="1"/>
+          </p:cNvSpPr>
+          <p:nvPr>
+            <p:ph type="title"/>
+          </p:nvPr>
+        </p:nvSpPr>
+        <p:spPr/>
+        <p:txBody>
+          <a:bodyPr/>
+          <a:lstStyle/>
+          <a:p>
+            <a:r>
+              <a:rPr lang="da-DK" dirty="0" smtClean="0"/>
+              <a:t>AU </a:t>
+            </a:r>
+            <a:r>
+              <a:rPr lang="da-DK" dirty="0" err="1" smtClean="0"/>
+              <a:t>Studypedia</a:t>
+            </a:r>
+            <a:r>
+              <a:rPr lang="da-DK" dirty="0" smtClean="0"/>
+              <a:t> (studypedia.au.dk)</a:t>
+            </a:r>
+            <a:endParaRPr lang="da-DK" dirty="0"/>
+          </a:p>
+        </p:txBody>
+      </p:sp>
+      <p:sp>
+        <p:nvSpPr>
+          <p:cNvPr id="3" name="Content Placeholder 2"/>
+          <p:cNvSpPr>
+            <a:spLocks noGrp="1"/>
+          </p:cNvSpPr>
+          <p:nvPr>
+            <p:ph idx="1"/>
+          </p:nvPr>
+        </p:nvSpPr>
+        <p:spPr>
+          <a:xfrm>
+            <a:off x="395536" y="1124745"/>
+            <a:ext cx="8496944" cy="930701"/>
+          </a:xfrm>
+        </p:spPr>
+        <p:txBody>
+          <a:bodyPr/>
+          <a:lstStyle/>
+          <a:p>
+            <a:r>
+              <a:rPr lang="en-US" sz="1800" dirty="0" smtClean="0"/>
+              <a:t>A set of webpages which offers advice, inspiration and exercises in a number of different study related areas</a:t>
+            </a:r>
+          </a:p>
+          <a:p>
+            <a:pPr marL="728663" lvl="1" indent="-271463">
+              <a:spcBef>
+                <a:spcPts val="300"/>
+              </a:spcBef>
+            </a:pPr>
+            <a:r>
+              <a:rPr lang="da-DK" sz="1600" dirty="0" err="1" smtClean="0"/>
+              <a:t>There</a:t>
+            </a:r>
+            <a:r>
+              <a:rPr lang="da-DK" sz="1600" dirty="0" smtClean="0"/>
+              <a:t> </a:t>
+            </a:r>
+            <a:r>
+              <a:rPr lang="da-DK" sz="1600" dirty="0"/>
+              <a:t>is </a:t>
+            </a:r>
+            <a:r>
+              <a:rPr lang="da-DK" sz="1600" dirty="0" err="1"/>
+              <a:t>both</a:t>
+            </a:r>
+            <a:r>
+              <a:rPr lang="da-DK" sz="1600" dirty="0"/>
+              <a:t> a Danish and an English version (with </a:t>
+            </a:r>
+            <a:r>
+              <a:rPr lang="da-DK" sz="1600" dirty="0" err="1"/>
+              <a:t>slightly</a:t>
+            </a:r>
+            <a:r>
+              <a:rPr lang="da-DK" sz="1600" dirty="0"/>
+              <a:t> </a:t>
+            </a:r>
+            <a:r>
+              <a:rPr lang="da-DK" sz="1600" dirty="0" err="1"/>
+              <a:t>different</a:t>
+            </a:r>
+            <a:r>
+              <a:rPr lang="da-DK" sz="1600" dirty="0"/>
+              <a:t> </a:t>
+            </a:r>
+            <a:r>
+              <a:rPr lang="da-DK" sz="1600" dirty="0" err="1"/>
+              <a:t>contents</a:t>
+            </a:r>
+            <a:r>
+              <a:rPr lang="da-DK" sz="1600" dirty="0" smtClean="0"/>
+              <a:t>)</a:t>
+            </a:r>
+          </a:p>
+        </p:txBody>
+      </p:sp>
       <p:grpSp>
         <p:nvGrpSpPr>
-          <p:cNvPr id="10" name="Group 9"/>
+          <p:cNvPr id="8" name="Group 7"/>
           <p:cNvGrpSpPr/>
           <p:nvPr/>
         </p:nvGrpSpPr>
         <p:grpSpPr>
           <a:xfrm>
-            <a:off x="55659" y="2075290"/>
-            <a:ext cx="9072439" cy="4664271"/>
-            <a:chOff x="55659" y="2075290"/>
-            <a:chExt cx="9072439" cy="4664271"/>
+            <a:off x="50695" y="2055446"/>
+            <a:ext cx="8996739" cy="4802554"/>
+            <a:chOff x="50695" y="2055446"/>
+            <a:chExt cx="8996739" cy="4802554"/>
           </a:xfrm>
         </p:grpSpPr>
         <p:pic>
           <p:nvPicPr>
-            <p:cNvPr id="9" name="Picture 8"/>
+            <p:cNvPr id="5" name="Picture 4"/>
             <p:cNvPicPr>
               <a:picLocks noChangeAspect="1"/>
             </p:cNvPicPr>
@@ -21086,8 +21239,8 @@
           </p:blipFill>
           <p:spPr>
             <a:xfrm>
-              <a:off x="55659" y="2075290"/>
-              <a:ext cx="9032682" cy="4605467"/>
+              <a:off x="50695" y="2055446"/>
+              <a:ext cx="8985801" cy="4802554"/>
             </a:xfrm>
             <a:prstGeom prst="rect">
               <a:avLst/>
@@ -21096,14 +21249,14 @@
         </p:pic>
         <p:sp>
           <p:nvSpPr>
-            <p:cNvPr id="6" name="Rectangle 5"/>
+            <p:cNvPr id="7" name="Rectangle 6"/>
             <p:cNvSpPr/>
             <p:nvPr/>
           </p:nvSpPr>
           <p:spPr bwMode="auto">
             <a:xfrm>
-              <a:off x="6249189" y="5227393"/>
-              <a:ext cx="2878909" cy="1512168"/>
+              <a:off x="6126519" y="5128592"/>
+              <a:ext cx="2920915" cy="1500808"/>
             </a:xfrm>
             <a:prstGeom prst="rect">
               <a:avLst/>
@@ -21170,14 +21323,291 @@
       </p:grpSp>
       <p:sp>
         <p:nvSpPr>
+          <p:cNvPr id="4" name="Slide Number Placeholder 3"/>
+          <p:cNvSpPr>
+            <a:spLocks noGrp="1"/>
+          </p:cNvSpPr>
+          <p:nvPr>
+            <p:ph type="sldNum" sz="quarter" idx="12"/>
+          </p:nvPr>
+        </p:nvSpPr>
+        <p:spPr>
+          <a:xfrm>
+            <a:off x="8452888" y="6400800"/>
+            <a:ext cx="683568" cy="457200"/>
+          </a:xfrm>
+        </p:spPr>
+        <p:txBody>
+          <a:bodyPr/>
+          <a:lstStyle/>
+          <a:p>
+            <a:pPr>
+              <a:defRPr/>
+            </a:pPr>
+            <a:fld id="{3A57ADD0-007F-4610-9D7D-5E5ADEAA50E0}" type="slidenum">
+              <a:rPr lang="da-DK" altLang="da-DK" smtClean="0"/>
+              <a:pPr>
+                <a:defRPr/>
+              </a:pPr>
+              <a:t>28</a:t>
+            </a:fld>
+            <a:endParaRPr lang="da-DK" altLang="da-DK" dirty="0"/>
+          </a:p>
+        </p:txBody>
+      </p:sp>
+      <p:sp>
+        <p:nvSpPr>
+          <p:cNvPr id="18" name="Rectangle 3"/>
+          <p:cNvSpPr txBox="1">
+            <a:spLocks noChangeArrowheads="1"/>
+          </p:cNvSpPr>
+          <p:nvPr/>
+        </p:nvSpPr>
+        <p:spPr bwMode="auto">
+          <a:xfrm>
+            <a:off x="6339233" y="5205973"/>
+            <a:ext cx="2369216" cy="1117447"/>
+          </a:xfrm>
+          <a:prstGeom prst="rect">
+            <a:avLst/>
+          </a:prstGeom>
+          <a:solidFill>
+            <a:srgbClr val="DDF2FF"/>
+          </a:solidFill>
+          <a:ln w="28575">
+            <a:solidFill>
+              <a:srgbClr val="0000FF"/>
+            </a:solidFill>
+          </a:ln>
+          <a:extLst/>
+        </p:spPr>
+        <p:txBody>
+          <a:bodyPr vert="horz" wrap="square" lIns="91440" tIns="45720" rIns="91440" bIns="45720" numCol="1" anchor="t" anchorCtr="0" compatLnSpc="1">
+            <a:prstTxWarp prst="textNoShape">
+              <a:avLst/>
+            </a:prstTxWarp>
+          </a:bodyPr>
+          <a:lstStyle>
+            <a:lvl1pPr marL="0" indent="0" algn="ctr" rtl="0" eaLnBrk="0" fontAlgn="base" hangingPunct="0">
+              <a:spcBef>
+                <a:spcPct val="20000"/>
+              </a:spcBef>
+              <a:spcAft>
+                <a:spcPct val="0"/>
+              </a:spcAft>
+              <a:buNone/>
+              <a:defRPr sz="2400" b="1">
+                <a:solidFill>
+                  <a:srgbClr val="A50021"/>
+                </a:solidFill>
+                <a:latin typeface="+mn-lt"/>
+                <a:ea typeface="ＭＳ Ｐゴシック" pitchFamily="-107" charset="-128"/>
+                <a:cs typeface="ＭＳ Ｐゴシック" pitchFamily="-107" charset="-128"/>
+              </a:defRPr>
+            </a:lvl1pPr>
+            <a:lvl2pPr marL="457200" indent="0" algn="ctr" rtl="0" eaLnBrk="0" fontAlgn="base" hangingPunct="0">
+              <a:spcBef>
+                <a:spcPct val="20000"/>
+              </a:spcBef>
+              <a:spcAft>
+                <a:spcPct val="0"/>
+              </a:spcAft>
+              <a:buNone/>
+              <a:defRPr sz="2000">
+                <a:solidFill>
+                  <a:srgbClr val="000066"/>
+                </a:solidFill>
+                <a:latin typeface="+mn-lt"/>
+                <a:ea typeface="ＭＳ Ｐゴシック" charset="-128"/>
+              </a:defRPr>
+            </a:lvl2pPr>
+            <a:lvl3pPr marL="914400" indent="0" algn="ctr" rtl="0" eaLnBrk="0" fontAlgn="base" hangingPunct="0">
+              <a:spcBef>
+                <a:spcPct val="20000"/>
+              </a:spcBef>
+              <a:spcAft>
+                <a:spcPct val="0"/>
+              </a:spcAft>
+              <a:buNone/>
+              <a:defRPr sz="1600">
+                <a:solidFill>
+                  <a:schemeClr val="tx1"/>
+                </a:solidFill>
+                <a:latin typeface="+mn-lt"/>
+                <a:ea typeface="ＭＳ Ｐゴシック" charset="-128"/>
+              </a:defRPr>
+            </a:lvl3pPr>
+            <a:lvl4pPr marL="1371600" indent="0" algn="ctr" rtl="0" eaLnBrk="0" fontAlgn="base" hangingPunct="0">
+              <a:spcBef>
+                <a:spcPct val="20000"/>
+              </a:spcBef>
+              <a:spcAft>
+                <a:spcPct val="0"/>
+              </a:spcAft>
+              <a:buNone/>
+              <a:defRPr sz="1600">
+                <a:solidFill>
+                  <a:schemeClr val="tx1"/>
+                </a:solidFill>
+                <a:latin typeface="Times New Roman" charset="0"/>
+                <a:ea typeface="ＭＳ Ｐゴシック" charset="-128"/>
+              </a:defRPr>
+            </a:lvl4pPr>
+            <a:lvl5pPr marL="1828800" indent="0" algn="ctr" rtl="0" eaLnBrk="0" fontAlgn="base" hangingPunct="0">
+              <a:spcBef>
+                <a:spcPct val="20000"/>
+              </a:spcBef>
+              <a:spcAft>
+                <a:spcPct val="0"/>
+              </a:spcAft>
+              <a:buNone/>
+              <a:defRPr sz="1200">
+                <a:solidFill>
+                  <a:schemeClr val="tx1"/>
+                </a:solidFill>
+                <a:latin typeface="Times New Roman" charset="0"/>
+                <a:ea typeface="ＭＳ Ｐゴシック" charset="-128"/>
+              </a:defRPr>
+            </a:lvl5pPr>
+            <a:lvl6pPr marL="2286000" indent="0" algn="ctr" rtl="0" fontAlgn="base">
+              <a:spcBef>
+                <a:spcPct val="20000"/>
+              </a:spcBef>
+              <a:spcAft>
+                <a:spcPct val="0"/>
+              </a:spcAft>
+              <a:buNone/>
+              <a:defRPr sz="1200">
+                <a:solidFill>
+                  <a:schemeClr val="tx1"/>
+                </a:solidFill>
+                <a:latin typeface="Times New Roman" charset="0"/>
+                <a:ea typeface="ＭＳ Ｐゴシック" charset="-128"/>
+              </a:defRPr>
+            </a:lvl6pPr>
+            <a:lvl7pPr marL="2743200" indent="0" algn="ctr" rtl="0" fontAlgn="base">
+              <a:spcBef>
+                <a:spcPct val="20000"/>
+              </a:spcBef>
+              <a:spcAft>
+                <a:spcPct val="0"/>
+              </a:spcAft>
+              <a:buNone/>
+              <a:defRPr sz="1200">
+                <a:solidFill>
+                  <a:schemeClr val="tx1"/>
+                </a:solidFill>
+                <a:latin typeface="Times New Roman" charset="0"/>
+                <a:ea typeface="ＭＳ Ｐゴシック" charset="-128"/>
+              </a:defRPr>
+            </a:lvl7pPr>
+            <a:lvl8pPr marL="3200400" indent="0" algn="ctr" rtl="0" fontAlgn="base">
+              <a:spcBef>
+                <a:spcPct val="20000"/>
+              </a:spcBef>
+              <a:spcAft>
+                <a:spcPct val="0"/>
+              </a:spcAft>
+              <a:buNone/>
+              <a:defRPr sz="1200">
+                <a:solidFill>
+                  <a:schemeClr val="tx1"/>
+                </a:solidFill>
+                <a:latin typeface="Times New Roman" charset="0"/>
+                <a:ea typeface="ＭＳ Ｐゴシック" charset="-128"/>
+              </a:defRPr>
+            </a:lvl8pPr>
+            <a:lvl9pPr marL="3657600" indent="0" algn="ctr" rtl="0" fontAlgn="base">
+              <a:spcBef>
+                <a:spcPct val="20000"/>
+              </a:spcBef>
+              <a:spcAft>
+                <a:spcPct val="0"/>
+              </a:spcAft>
+              <a:buNone/>
+              <a:defRPr sz="1200">
+                <a:solidFill>
+                  <a:schemeClr val="tx1"/>
+                </a:solidFill>
+                <a:latin typeface="Times New Roman" charset="0"/>
+                <a:ea typeface="ＭＳ Ｐゴシック" charset="-128"/>
+              </a:defRPr>
+            </a:lvl9pPr>
+          </a:lstStyle>
+          <a:p>
+            <a:pPr algn="l" eaLnBrk="1" hangingPunct="1">
+              <a:spcBef>
+                <a:spcPts val="1500"/>
+              </a:spcBef>
+            </a:pPr>
+            <a:r>
+              <a:rPr lang="en-GB" altLang="da-DK" sz="1200" kern="0" dirty="0" smtClean="0">
+                <a:solidFill>
+                  <a:srgbClr val="0000FF"/>
+                </a:solidFill>
+              </a:rPr>
+              <a:t>Very extensive and useful material</a:t>
+            </a:r>
+            <a:endParaRPr lang="en-GB" altLang="da-DK" sz="1200" kern="0" dirty="0" smtClean="0">
+              <a:solidFill>
+                <a:srgbClr val="0000FF"/>
+              </a:solidFill>
+              <a:ea typeface="ＭＳ Ｐゴシック" pitchFamily="34" charset="-128"/>
+            </a:endParaRPr>
+          </a:p>
+          <a:p>
+            <a:pPr marL="179388" indent="-179388" algn="l" eaLnBrk="1" hangingPunct="1">
+              <a:spcBef>
+                <a:spcPts val="300"/>
+              </a:spcBef>
+              <a:buFont typeface="Arial" panose="020B0604020202020204" pitchFamily="34" charset="0"/>
+              <a:buChar char="•"/>
+            </a:pPr>
+            <a:r>
+              <a:rPr lang="en-GB" altLang="da-DK" sz="1200" kern="0" dirty="0" smtClean="0">
+                <a:solidFill>
+                  <a:srgbClr val="0000FF"/>
+                </a:solidFill>
+                <a:ea typeface="ＭＳ Ｐゴシック" pitchFamily="34" charset="-128"/>
+              </a:rPr>
+              <a:t>Use some hours to study it</a:t>
+            </a:r>
+          </a:p>
+          <a:p>
+            <a:pPr marL="179388" indent="-179388" algn="l" eaLnBrk="1" hangingPunct="1">
+              <a:spcBef>
+                <a:spcPts val="300"/>
+              </a:spcBef>
+              <a:buFont typeface="Arial" panose="020B0604020202020204" pitchFamily="34" charset="0"/>
+              <a:buChar char="•"/>
+            </a:pPr>
+            <a:r>
+              <a:rPr lang="en-GB" altLang="da-DK" sz="1200" kern="0" dirty="0" smtClean="0">
+                <a:solidFill>
+                  <a:srgbClr val="0000FF"/>
+                </a:solidFill>
+                <a:ea typeface="ＭＳ Ｐゴシック" pitchFamily="34" charset="-128"/>
+              </a:rPr>
+              <a:t>Alone or together with your bachelor group</a:t>
+            </a:r>
+            <a:endParaRPr lang="en-GB" altLang="da-DK" sz="1200" kern="0" dirty="0" smtClean="0">
+              <a:solidFill>
+                <a:srgbClr val="0000FF"/>
+              </a:solidFill>
+            </a:endParaRPr>
+          </a:p>
+        </p:txBody>
+      </p:sp>
+      <p:sp>
+        <p:nvSpPr>
           <p:cNvPr id="12" name="Rectangle 11"/>
           <p:cNvSpPr/>
           <p:nvPr/>
         </p:nvSpPr>
         <p:spPr bwMode="auto">
           <a:xfrm>
-            <a:off x="39757" y="3562185"/>
-            <a:ext cx="5971429" cy="3132814"/>
+            <a:off x="35705" y="3485272"/>
+            <a:ext cx="5929260" cy="3351363"/>
           </a:xfrm>
           <a:prstGeom prst="rect">
             <a:avLst/>
@@ -21253,8 +21683,8 @@
         </p:nvSpPr>
         <p:spPr bwMode="auto">
           <a:xfrm>
-            <a:off x="6226479" y="2047494"/>
-            <a:ext cx="2853911" cy="2930023"/>
+            <a:off x="6126520" y="2047494"/>
+            <a:ext cx="2906386" cy="2806517"/>
           </a:xfrm>
           <a:prstGeom prst="rect">
             <a:avLst/>
@@ -21318,392 +21748,6 @@
               <a:effectLst/>
               <a:latin typeface="Arial" charset="0"/>
               <a:ea typeface="ＭＳ Ｐゴシック" charset="0"/>
-            </a:endParaRPr>
-          </a:p>
-        </p:txBody>
-      </p:sp>
-      <p:sp>
-        <p:nvSpPr>
-          <p:cNvPr id="2" name="Title 1"/>
-          <p:cNvSpPr>
-            <a:spLocks noGrp="1"/>
-          </p:cNvSpPr>
-          <p:nvPr>
-            <p:ph type="title"/>
-          </p:nvPr>
-        </p:nvSpPr>
-        <p:spPr/>
-        <p:txBody>
-          <a:bodyPr/>
-          <a:lstStyle/>
-          <a:p>
-            <a:r>
-              <a:rPr lang="da-DK" dirty="0" smtClean="0"/>
-              <a:t>AU </a:t>
-            </a:r>
-            <a:r>
-              <a:rPr lang="da-DK" dirty="0" err="1" smtClean="0"/>
-              <a:t>Studypedia</a:t>
-            </a:r>
-            <a:r>
-              <a:rPr lang="da-DK" dirty="0" smtClean="0"/>
-              <a:t> (studypedia.au.dk)</a:t>
-            </a:r>
-            <a:endParaRPr lang="da-DK" dirty="0"/>
-          </a:p>
-        </p:txBody>
-      </p:sp>
-      <p:sp>
-        <p:nvSpPr>
-          <p:cNvPr id="3" name="Content Placeholder 2"/>
-          <p:cNvSpPr>
-            <a:spLocks noGrp="1"/>
-          </p:cNvSpPr>
-          <p:nvPr>
-            <p:ph idx="1"/>
-          </p:nvPr>
-        </p:nvSpPr>
-        <p:spPr>
-          <a:xfrm>
-            <a:off x="395536" y="1124745"/>
-            <a:ext cx="8496944" cy="930701"/>
-          </a:xfrm>
-        </p:spPr>
-        <p:txBody>
-          <a:bodyPr/>
-          <a:lstStyle/>
-          <a:p>
-            <a:r>
-              <a:rPr lang="en-US" sz="1800" dirty="0" smtClean="0"/>
-              <a:t>A set of webpages which offers advice, inspiration and exercises in a number of different study related areas</a:t>
-            </a:r>
-          </a:p>
-          <a:p>
-            <a:pPr marL="728663" lvl="1" indent="-271463">
-              <a:spcBef>
-                <a:spcPts val="300"/>
-              </a:spcBef>
-            </a:pPr>
-            <a:r>
-              <a:rPr lang="da-DK" sz="1600" dirty="0" err="1" smtClean="0"/>
-              <a:t>There</a:t>
-            </a:r>
-            <a:r>
-              <a:rPr lang="da-DK" sz="1600" dirty="0" smtClean="0"/>
-              <a:t> </a:t>
-            </a:r>
-            <a:r>
-              <a:rPr lang="da-DK" sz="1600" dirty="0"/>
-              <a:t>is </a:t>
-            </a:r>
-            <a:r>
-              <a:rPr lang="da-DK" sz="1600" dirty="0" err="1"/>
-              <a:t>both</a:t>
-            </a:r>
-            <a:r>
-              <a:rPr lang="da-DK" sz="1600" dirty="0"/>
-              <a:t> a Danish and an English version (with </a:t>
-            </a:r>
-            <a:r>
-              <a:rPr lang="da-DK" sz="1600" dirty="0" err="1"/>
-              <a:t>slightly</a:t>
-            </a:r>
-            <a:r>
-              <a:rPr lang="da-DK" sz="1600" dirty="0"/>
-              <a:t> </a:t>
-            </a:r>
-            <a:r>
-              <a:rPr lang="da-DK" sz="1600" dirty="0" err="1"/>
-              <a:t>different</a:t>
-            </a:r>
-            <a:r>
-              <a:rPr lang="da-DK" sz="1600" dirty="0"/>
-              <a:t> </a:t>
-            </a:r>
-            <a:r>
-              <a:rPr lang="da-DK" sz="1600" dirty="0" err="1"/>
-              <a:t>contents</a:t>
-            </a:r>
-            <a:r>
-              <a:rPr lang="da-DK" sz="1600" dirty="0" smtClean="0"/>
-              <a:t>)</a:t>
-            </a:r>
-          </a:p>
-        </p:txBody>
-      </p:sp>
-      <p:sp>
-        <p:nvSpPr>
-          <p:cNvPr id="4" name="Slide Number Placeholder 3"/>
-          <p:cNvSpPr>
-            <a:spLocks noGrp="1"/>
-          </p:cNvSpPr>
-          <p:nvPr>
-            <p:ph type="sldNum" sz="quarter" idx="12"/>
-          </p:nvPr>
-        </p:nvSpPr>
-        <p:spPr>
-          <a:xfrm>
-            <a:off x="8452888" y="6400800"/>
-            <a:ext cx="683568" cy="457200"/>
-          </a:xfrm>
-        </p:spPr>
-        <p:txBody>
-          <a:bodyPr/>
-          <a:lstStyle/>
-          <a:p>
-            <a:pPr>
-              <a:defRPr/>
-            </a:pPr>
-            <a:fld id="{3A57ADD0-007F-4610-9D7D-5E5ADEAA50E0}" type="slidenum">
-              <a:rPr lang="da-DK" altLang="da-DK" smtClean="0"/>
-              <a:pPr>
-                <a:defRPr/>
-              </a:pPr>
-              <a:t>28</a:t>
-            </a:fld>
-            <a:endParaRPr lang="da-DK" altLang="da-DK" dirty="0"/>
-          </a:p>
-        </p:txBody>
-      </p:sp>
-      <p:sp>
-        <p:nvSpPr>
-          <p:cNvPr id="18" name="Rectangle 3"/>
-          <p:cNvSpPr txBox="1">
-            <a:spLocks noChangeArrowheads="1"/>
-          </p:cNvSpPr>
-          <p:nvPr/>
-        </p:nvSpPr>
-        <p:spPr bwMode="auto">
-          <a:xfrm>
-            <a:off x="6472801" y="5196199"/>
-            <a:ext cx="2369216" cy="1117447"/>
-          </a:xfrm>
-          <a:prstGeom prst="rect">
-            <a:avLst/>
-          </a:prstGeom>
-          <a:solidFill>
-            <a:srgbClr val="DDF2FF"/>
-          </a:solidFill>
-          <a:ln w="28575">
-            <a:solidFill>
-              <a:srgbClr val="0000FF"/>
-            </a:solidFill>
-          </a:ln>
-          <a:extLst/>
-        </p:spPr>
-        <p:txBody>
-          <a:bodyPr vert="horz" wrap="square" lIns="91440" tIns="45720" rIns="91440" bIns="45720" numCol="1" anchor="t" anchorCtr="0" compatLnSpc="1">
-            <a:prstTxWarp prst="textNoShape">
-              <a:avLst/>
-            </a:prstTxWarp>
-          </a:bodyPr>
-          <a:lstStyle>
-            <a:lvl1pPr marL="0" indent="0" algn="ctr" rtl="0" eaLnBrk="0" fontAlgn="base" hangingPunct="0">
-              <a:spcBef>
-                <a:spcPct val="20000"/>
-              </a:spcBef>
-              <a:spcAft>
-                <a:spcPct val="0"/>
-              </a:spcAft>
-              <a:buNone/>
-              <a:defRPr sz="2400" b="1">
-                <a:solidFill>
-                  <a:srgbClr val="A50021"/>
-                </a:solidFill>
-                <a:latin typeface="+mn-lt"/>
-                <a:ea typeface="ＭＳ Ｐゴシック" pitchFamily="-107" charset="-128"/>
-                <a:cs typeface="ＭＳ Ｐゴシック" pitchFamily="-107" charset="-128"/>
-              </a:defRPr>
-            </a:lvl1pPr>
-            <a:lvl2pPr marL="457200" indent="0" algn="ctr" rtl="0" eaLnBrk="0" fontAlgn="base" hangingPunct="0">
-              <a:spcBef>
-                <a:spcPct val="20000"/>
-              </a:spcBef>
-              <a:spcAft>
-                <a:spcPct val="0"/>
-              </a:spcAft>
-              <a:buNone/>
-              <a:defRPr sz="2000">
-                <a:solidFill>
-                  <a:srgbClr val="000066"/>
-                </a:solidFill>
-                <a:latin typeface="+mn-lt"/>
-                <a:ea typeface="ＭＳ Ｐゴシック" charset="-128"/>
-              </a:defRPr>
-            </a:lvl2pPr>
-            <a:lvl3pPr marL="914400" indent="0" algn="ctr" rtl="0" eaLnBrk="0" fontAlgn="base" hangingPunct="0">
-              <a:spcBef>
-                <a:spcPct val="20000"/>
-              </a:spcBef>
-              <a:spcAft>
-                <a:spcPct val="0"/>
-              </a:spcAft>
-              <a:buNone/>
-              <a:defRPr sz="1600">
-                <a:solidFill>
-                  <a:schemeClr val="tx1"/>
-                </a:solidFill>
-                <a:latin typeface="+mn-lt"/>
-                <a:ea typeface="ＭＳ Ｐゴシック" charset="-128"/>
-              </a:defRPr>
-            </a:lvl3pPr>
-            <a:lvl4pPr marL="1371600" indent="0" algn="ctr" rtl="0" eaLnBrk="0" fontAlgn="base" hangingPunct="0">
-              <a:spcBef>
-                <a:spcPct val="20000"/>
-              </a:spcBef>
-              <a:spcAft>
-                <a:spcPct val="0"/>
-              </a:spcAft>
-              <a:buNone/>
-              <a:defRPr sz="1600">
-                <a:solidFill>
-                  <a:schemeClr val="tx1"/>
-                </a:solidFill>
-                <a:latin typeface="Times New Roman" charset="0"/>
-                <a:ea typeface="ＭＳ Ｐゴシック" charset="-128"/>
-              </a:defRPr>
-            </a:lvl4pPr>
-            <a:lvl5pPr marL="1828800" indent="0" algn="ctr" rtl="0" eaLnBrk="0" fontAlgn="base" hangingPunct="0">
-              <a:spcBef>
-                <a:spcPct val="20000"/>
-              </a:spcBef>
-              <a:spcAft>
-                <a:spcPct val="0"/>
-              </a:spcAft>
-              <a:buNone/>
-              <a:defRPr sz="1200">
-                <a:solidFill>
-                  <a:schemeClr val="tx1"/>
-                </a:solidFill>
-                <a:latin typeface="Times New Roman" charset="0"/>
-                <a:ea typeface="ＭＳ Ｐゴシック" charset="-128"/>
-              </a:defRPr>
-            </a:lvl5pPr>
-            <a:lvl6pPr marL="2286000" indent="0" algn="ctr" rtl="0" fontAlgn="base">
-              <a:spcBef>
-                <a:spcPct val="20000"/>
-              </a:spcBef>
-              <a:spcAft>
-                <a:spcPct val="0"/>
-              </a:spcAft>
-              <a:buNone/>
-              <a:defRPr sz="1200">
-                <a:solidFill>
-                  <a:schemeClr val="tx1"/>
-                </a:solidFill>
-                <a:latin typeface="Times New Roman" charset="0"/>
-                <a:ea typeface="ＭＳ Ｐゴシック" charset="-128"/>
-              </a:defRPr>
-            </a:lvl6pPr>
-            <a:lvl7pPr marL="2743200" indent="0" algn="ctr" rtl="0" fontAlgn="base">
-              <a:spcBef>
-                <a:spcPct val="20000"/>
-              </a:spcBef>
-              <a:spcAft>
-                <a:spcPct val="0"/>
-              </a:spcAft>
-              <a:buNone/>
-              <a:defRPr sz="1200">
-                <a:solidFill>
-                  <a:schemeClr val="tx1"/>
-                </a:solidFill>
-                <a:latin typeface="Times New Roman" charset="0"/>
-                <a:ea typeface="ＭＳ Ｐゴシック" charset="-128"/>
-              </a:defRPr>
-            </a:lvl7pPr>
-            <a:lvl8pPr marL="3200400" indent="0" algn="ctr" rtl="0" fontAlgn="base">
-              <a:spcBef>
-                <a:spcPct val="20000"/>
-              </a:spcBef>
-              <a:spcAft>
-                <a:spcPct val="0"/>
-              </a:spcAft>
-              <a:buNone/>
-              <a:defRPr sz="1200">
-                <a:solidFill>
-                  <a:schemeClr val="tx1"/>
-                </a:solidFill>
-                <a:latin typeface="Times New Roman" charset="0"/>
-                <a:ea typeface="ＭＳ Ｐゴシック" charset="-128"/>
-              </a:defRPr>
-            </a:lvl8pPr>
-            <a:lvl9pPr marL="3657600" indent="0" algn="ctr" rtl="0" fontAlgn="base">
-              <a:spcBef>
-                <a:spcPct val="20000"/>
-              </a:spcBef>
-              <a:spcAft>
-                <a:spcPct val="0"/>
-              </a:spcAft>
-              <a:buNone/>
-              <a:defRPr sz="1200">
-                <a:solidFill>
-                  <a:schemeClr val="tx1"/>
-                </a:solidFill>
-                <a:latin typeface="Times New Roman" charset="0"/>
-                <a:ea typeface="ＭＳ Ｐゴシック" charset="-128"/>
-              </a:defRPr>
-            </a:lvl9pPr>
-          </a:lstStyle>
-          <a:p>
-            <a:pPr algn="l" eaLnBrk="1" hangingPunct="1">
-              <a:spcBef>
-                <a:spcPts val="1500"/>
-              </a:spcBef>
-            </a:pPr>
-            <a:r>
-              <a:rPr lang="en-GB" altLang="da-DK" sz="1200" kern="0" dirty="0" smtClean="0">
-                <a:solidFill>
-                  <a:srgbClr val="0000FF"/>
-                </a:solidFill>
-              </a:rPr>
-              <a:t>Very extensive and useful material</a:t>
-            </a:r>
-            <a:endParaRPr lang="en-GB" altLang="da-DK" sz="1200" kern="0" dirty="0" smtClean="0">
-              <a:solidFill>
-                <a:srgbClr val="0000FF"/>
-              </a:solidFill>
-              <a:ea typeface="ＭＳ Ｐゴシック" pitchFamily="34" charset="-128"/>
-            </a:endParaRPr>
-          </a:p>
-          <a:p>
-            <a:pPr marL="179388" indent="-179388" algn="l" eaLnBrk="1" hangingPunct="1">
-              <a:spcBef>
-                <a:spcPts val="300"/>
-              </a:spcBef>
-              <a:buFont typeface="Arial" panose="020B0604020202020204" pitchFamily="34" charset="0"/>
-              <a:buChar char="•"/>
-            </a:pPr>
-            <a:r>
-              <a:rPr lang="en-GB" altLang="da-DK" sz="1200" kern="0" dirty="0" smtClean="0">
-                <a:solidFill>
-                  <a:srgbClr val="0000FF"/>
-                </a:solidFill>
-                <a:ea typeface="ＭＳ Ｐゴシック" pitchFamily="34" charset="-128"/>
-              </a:rPr>
-              <a:t>Use some hours to study it</a:t>
-            </a:r>
-          </a:p>
-          <a:p>
-            <a:pPr marL="179388" indent="-179388" algn="l" eaLnBrk="1" hangingPunct="1">
-              <a:spcBef>
-                <a:spcPts val="300"/>
-              </a:spcBef>
-              <a:buFont typeface="Arial" panose="020B0604020202020204" pitchFamily="34" charset="0"/>
-              <a:buChar char="•"/>
-            </a:pPr>
-            <a:r>
-              <a:rPr lang="en-GB" altLang="da-DK" sz="1200" kern="0" dirty="0" smtClean="0">
-                <a:solidFill>
-                  <a:srgbClr val="0000FF"/>
-                </a:solidFill>
-                <a:ea typeface="ＭＳ Ｐゴシック" pitchFamily="34" charset="-128"/>
-              </a:rPr>
-              <a:t>Alone or together with your bachelor group</a:t>
-            </a:r>
-            <a:endParaRPr lang="en-GB" altLang="da-DK" sz="1200" kern="0" dirty="0" smtClean="0">
-              <a:solidFill>
-                <a:srgbClr val="0000FF"/>
-              </a:solidFill>
             </a:endParaRPr>
           </a:p>
         </p:txBody>
